--- a/Progress Presentation.pptx
+++ b/Progress Presentation.pptx
@@ -5,20 +5,19 @@
     <p:sldMasterId id="2147483648" r:id="rId1"/>
   </p:sldMasterIdLst>
   <p:notesMasterIdLst>
-    <p:notesMasterId r:id="rId13"/>
+    <p:notesMasterId r:id="rId12"/>
   </p:notesMasterIdLst>
   <p:sldIdLst>
     <p:sldId id="256" r:id="rId2"/>
     <p:sldId id="261" r:id="rId3"/>
     <p:sldId id="263" r:id="rId4"/>
-    <p:sldId id="262" r:id="rId5"/>
-    <p:sldId id="266" r:id="rId6"/>
-    <p:sldId id="257" r:id="rId7"/>
-    <p:sldId id="258" r:id="rId8"/>
-    <p:sldId id="259" r:id="rId9"/>
-    <p:sldId id="269" r:id="rId10"/>
-    <p:sldId id="270" r:id="rId11"/>
-    <p:sldId id="271" r:id="rId12"/>
+    <p:sldId id="266" r:id="rId5"/>
+    <p:sldId id="257" r:id="rId6"/>
+    <p:sldId id="258" r:id="rId7"/>
+    <p:sldId id="259" r:id="rId8"/>
+    <p:sldId id="269" r:id="rId9"/>
+    <p:sldId id="270" r:id="rId10"/>
+    <p:sldId id="271" r:id="rId11"/>
   </p:sldIdLst>
   <p:sldSz cx="12192000" cy="6858000"/>
   <p:notesSz cx="6858000" cy="9144000"/>
@@ -207,7 +206,7 @@
           <a:p>
             <a:fld id="{E4F92585-6B0D-4890-A41D-FA11D71E0E3D}" type="datetimeFigureOut">
               <a:rPr lang="en-GB" smtClean="0"/>
-              <a:t>11/01/2024</a:t>
+              <a:t>19/02/2024</a:t>
             </a:fld>
             <a:endParaRPr lang="en-GB"/>
           </a:p>
@@ -720,7 +719,27 @@
             </a:pPr>
             <a:r>
               <a:rPr lang="en-GB" dirty="0"/>
-              <a:t>Subject to change.</a:t>
+              <a:t>Policy-based.</a:t>
+            </a:r>
+          </a:p>
+          <a:p>
+            <a:pPr marL="628650" lvl="1" indent="-171450">
+              <a:buFont typeface="Arial" panose="020B0604020202020204" pitchFamily="34" charset="0"/>
+              <a:buChar char="•"/>
+            </a:pPr>
+            <a:r>
+              <a:rPr lang="en-GB" dirty="0"/>
+              <a:t>You don’t have to sample policy distribution, or sample uniformly. That’s just one way.</a:t>
+            </a:r>
+          </a:p>
+          <a:p>
+            <a:pPr marL="628650" lvl="1" indent="-171450">
+              <a:buFont typeface="Arial" panose="020B0604020202020204" pitchFamily="34" charset="0"/>
+              <a:buChar char="•"/>
+            </a:pPr>
+            <a:r>
+              <a:rPr lang="en-GB" dirty="0"/>
+              <a:t>Actor-critic methods have the same interface (they map states to a probability distribution). But the method by which they learn is significantly different.</a:t>
             </a:r>
           </a:p>
           <a:p>
@@ -730,30 +749,7 @@
             </a:pPr>
             <a:r>
               <a:rPr lang="en-GB" dirty="0"/>
-              <a:t>Maze idea is much too complicated. Most likely going to be a simpler single-agent grid world.</a:t>
-            </a:r>
-          </a:p>
-          <a:p>
-            <a:pPr marL="171450" marR="0" lvl="0" indent="-171450" algn="l" defTabSz="914400" rtl="0" eaLnBrk="1" fontAlgn="auto" latinLnBrk="0" hangingPunct="1">
-              <a:lnSpc>
-                <a:spcPct val="100000"/>
-              </a:lnSpc>
-              <a:spcBef>
-                <a:spcPts val="0"/>
-              </a:spcBef>
-              <a:spcAft>
-                <a:spcPts val="0"/>
-              </a:spcAft>
-              <a:buClrTx/>
-              <a:buSzTx/>
-              <a:buFont typeface="Arial" panose="020B0604020202020204" pitchFamily="34" charset="0"/>
-              <a:buChar char="•"/>
-              <a:tabLst/>
-              <a:defRPr/>
-            </a:pPr>
-            <a:r>
-              <a:rPr lang="en-GB" dirty="0"/>
-              <a:t>Board game (connect 4). Implemented tic-tac-toe to test out multi-agent setup, but that one’s not complicated enough to be interesting.</a:t>
+              <a:t>Why not just output the action directly? Non-continuous action space = no gradient.</a:t>
             </a:r>
           </a:p>
           <a:p>
@@ -763,17 +759,7 @@
             </a:pPr>
             <a:r>
               <a:rPr lang="en-GB" dirty="0"/>
-              <a:t>Continuous Environment (no sure what, possible racing based).</a:t>
-            </a:r>
-          </a:p>
-          <a:p>
-            <a:pPr marL="628650" lvl="1" indent="-171450">
-              <a:buFont typeface="Arial" panose="020B0604020202020204" pitchFamily="34" charset="0"/>
-              <a:buChar char="•"/>
-            </a:pPr>
-            <a:r>
-              <a:rPr lang="en-GB" dirty="0"/>
-              <a:t>Further research is needed to see how complicated this is.</a:t>
+              <a:t>Actor-Critic methods, sort of in-between (policy-based output, but use Q-value critic to learn).</a:t>
             </a:r>
           </a:p>
         </p:txBody>
@@ -804,7 +790,7 @@
     </p:spTree>
     <p:extLst>
       <p:ext uri="{BB962C8B-B14F-4D97-AF65-F5344CB8AC3E}">
-        <p14:creationId xmlns:p14="http://schemas.microsoft.com/office/powerpoint/2010/main" val="1910231520"/>
+        <p14:creationId xmlns:p14="http://schemas.microsoft.com/office/powerpoint/2010/main" val="2638754362"/>
       </p:ext>
     </p:extLst>
   </p:cSld>
@@ -858,13 +844,13 @@
           <a:bodyPr/>
           <a:lstStyle/>
           <a:p>
-            <a:pPr marL="171450" indent="-171450">
+            <a:pPr marL="171450" lvl="0" indent="-171450">
               <a:buFont typeface="Arial" panose="020B0604020202020204" pitchFamily="34" charset="0"/>
               <a:buChar char="•"/>
             </a:pPr>
             <a:r>
               <a:rPr lang="en-GB" dirty="0"/>
-              <a:t>Policy-based.</a:t>
+              <a:t>Dynamic programming requires certain conditions that make it inappropriate for many actual problems.</a:t>
             </a:r>
           </a:p>
           <a:p>
@@ -874,7 +860,7 @@
             </a:pPr>
             <a:r>
               <a:rPr lang="en-GB" dirty="0"/>
-              <a:t>You don’t have to sample policy distribution, or sample uniformly. That’s just one way.</a:t>
+              <a:t>Requires dynamics model, not appropriate for i.e. real physical environment.</a:t>
             </a:r>
           </a:p>
           <a:p>
@@ -884,27 +870,7 @@
             </a:pPr>
             <a:r>
               <a:rPr lang="en-GB" dirty="0"/>
-              <a:t>Actor-critic methods have the same interface (they map states to a probability distribution). But the method by which they learn is significantly different.</a:t>
-            </a:r>
-          </a:p>
-          <a:p>
-            <a:pPr marL="171450" indent="-171450">
-              <a:buFont typeface="Arial" panose="020B0604020202020204" pitchFamily="34" charset="0"/>
-              <a:buChar char="•"/>
-            </a:pPr>
-            <a:r>
-              <a:rPr lang="en-GB" dirty="0"/>
-              <a:t>Why not just output the action directly? Non-continuous action space = no gradient.</a:t>
-            </a:r>
-          </a:p>
-          <a:p>
-            <a:pPr marL="171450" indent="-171450">
-              <a:buFont typeface="Arial" panose="020B0604020202020204" pitchFamily="34" charset="0"/>
-              <a:buChar char="•"/>
-            </a:pPr>
-            <a:r>
-              <a:rPr lang="en-GB" dirty="0"/>
-              <a:t>Actor-Critic methods, sort of in-between (policy-based output, but use Q-value critic to learn).</a:t>
+              <a:t>Finite state &amp; action spaces, not appropriate for i.e. solving a puzzle cube, continuous function approximation.</a:t>
             </a:r>
           </a:p>
         </p:txBody>
@@ -927,117 +893,6 @@
             <a:fld id="{15B7FE7A-1421-4152-8A52-38E0EEEF9985}" type="slidenum">
               <a:rPr lang="en-GB" smtClean="0"/>
               <a:t>5</a:t>
-            </a:fld>
-            <a:endParaRPr lang="en-GB"/>
-          </a:p>
-        </p:txBody>
-      </p:sp>
-    </p:spTree>
-    <p:extLst>
-      <p:ext uri="{BB962C8B-B14F-4D97-AF65-F5344CB8AC3E}">
-        <p14:creationId xmlns:p14="http://schemas.microsoft.com/office/powerpoint/2010/main" val="2638754362"/>
-      </p:ext>
-    </p:extLst>
-  </p:cSld>
-  <p:clrMapOvr>
-    <a:masterClrMapping/>
-  </p:clrMapOvr>
-</p:notes>
-</file>
-
-<file path=ppt/notesSlides/notesSlide5.xml><?xml version="1.0" encoding="utf-8"?>
-<p:notes xmlns:a="http://schemas.openxmlformats.org/drawingml/2006/main" xmlns:r="http://schemas.openxmlformats.org/officeDocument/2006/relationships" xmlns:p="http://schemas.openxmlformats.org/presentationml/2006/main">
-  <p:cSld>
-    <p:spTree>
-      <p:nvGrpSpPr>
-        <p:cNvPr id="1" name=""/>
-        <p:cNvGrpSpPr/>
-        <p:nvPr/>
-      </p:nvGrpSpPr>
-      <p:grpSpPr>
-        <a:xfrm>
-          <a:off x="0" y="0"/>
-          <a:ext cx="0" cy="0"/>
-          <a:chOff x="0" y="0"/>
-          <a:chExt cx="0" cy="0"/>
-        </a:xfrm>
-      </p:grpSpPr>
-      <p:sp>
-        <p:nvSpPr>
-          <p:cNvPr id="2" name="Slide Image Placeholder 1"/>
-          <p:cNvSpPr>
-            <a:spLocks noGrp="1" noRot="1" noChangeAspect="1"/>
-          </p:cNvSpPr>
-          <p:nvPr>
-            <p:ph type="sldImg"/>
-          </p:nvPr>
-        </p:nvSpPr>
-        <p:spPr/>
-      </p:sp>
-      <p:sp>
-        <p:nvSpPr>
-          <p:cNvPr id="3" name="Notes Placeholder 2"/>
-          <p:cNvSpPr>
-            <a:spLocks noGrp="1"/>
-          </p:cNvSpPr>
-          <p:nvPr>
-            <p:ph type="body" idx="1"/>
-          </p:nvPr>
-        </p:nvSpPr>
-        <p:spPr/>
-        <p:txBody>
-          <a:bodyPr/>
-          <a:lstStyle/>
-          <a:p>
-            <a:pPr marL="171450" lvl="0" indent="-171450">
-              <a:buFont typeface="Arial" panose="020B0604020202020204" pitchFamily="34" charset="0"/>
-              <a:buChar char="•"/>
-            </a:pPr>
-            <a:r>
-              <a:rPr lang="en-GB" dirty="0"/>
-              <a:t>Dynamic programming requires certain conditions that make it inappropriate for many actual problems.</a:t>
-            </a:r>
-          </a:p>
-          <a:p>
-            <a:pPr marL="628650" lvl="1" indent="-171450">
-              <a:buFont typeface="Arial" panose="020B0604020202020204" pitchFamily="34" charset="0"/>
-              <a:buChar char="•"/>
-            </a:pPr>
-            <a:r>
-              <a:rPr lang="en-GB" dirty="0"/>
-              <a:t>Requires dynamics model, not appropriate for i.e. real physical environment.</a:t>
-            </a:r>
-          </a:p>
-          <a:p>
-            <a:pPr marL="628650" lvl="1" indent="-171450">
-              <a:buFont typeface="Arial" panose="020B0604020202020204" pitchFamily="34" charset="0"/>
-              <a:buChar char="•"/>
-            </a:pPr>
-            <a:r>
-              <a:rPr lang="en-GB" dirty="0"/>
-              <a:t>Finite state &amp; action spaces, not appropriate for i.e. solving a puzzle cube, continuous function approximation.</a:t>
-            </a:r>
-          </a:p>
-        </p:txBody>
-      </p:sp>
-      <p:sp>
-        <p:nvSpPr>
-          <p:cNvPr id="4" name="Slide Number Placeholder 3"/>
-          <p:cNvSpPr>
-            <a:spLocks noGrp="1"/>
-          </p:cNvSpPr>
-          <p:nvPr>
-            <p:ph type="sldNum" sz="quarter" idx="5"/>
-          </p:nvPr>
-        </p:nvSpPr>
-        <p:spPr/>
-        <p:txBody>
-          <a:bodyPr/>
-          <a:lstStyle/>
-          <a:p>
-            <a:fld id="{15B7FE7A-1421-4152-8A52-38E0EEEF9985}" type="slidenum">
-              <a:rPr lang="en-GB" smtClean="0"/>
-              <a:t>6</a:t>
             </a:fld>
             <a:endParaRPr lang="en-GB"/>
           </a:p>
@@ -1056,7 +911,7 @@
 </p:notes>
 </file>
 
-<file path=ppt/notesSlides/notesSlide6.xml><?xml version="1.0" encoding="utf-8"?>
+<file path=ppt/notesSlides/notesSlide5.xml><?xml version="1.0" encoding="utf-8"?>
 <p:notes xmlns:a="http://schemas.openxmlformats.org/drawingml/2006/main" xmlns:r="http://schemas.openxmlformats.org/officeDocument/2006/relationships" xmlns:p="http://schemas.openxmlformats.org/presentationml/2006/main">
   <p:cSld>
     <p:spTree>
@@ -1473,7 +1328,7 @@
           <a:p>
             <a:fld id="{15B7FE7A-1421-4152-8A52-38E0EEEF9985}" type="slidenum">
               <a:rPr lang="en-GB" smtClean="0"/>
-              <a:t>7</a:t>
+              <a:t>6</a:t>
             </a:fld>
             <a:endParaRPr lang="en-GB"/>
           </a:p>
@@ -1483,6 +1338,201 @@
     <p:extLst>
       <p:ext uri="{BB962C8B-B14F-4D97-AF65-F5344CB8AC3E}">
         <p14:creationId xmlns:p14="http://schemas.microsoft.com/office/powerpoint/2010/main" val="885055796"/>
+      </p:ext>
+    </p:extLst>
+  </p:cSld>
+  <p:clrMapOvr>
+    <a:masterClrMapping/>
+  </p:clrMapOvr>
+</p:notes>
+</file>
+
+<file path=ppt/notesSlides/notesSlide6.xml><?xml version="1.0" encoding="utf-8"?>
+<p:notes xmlns:a="http://schemas.openxmlformats.org/drawingml/2006/main" xmlns:r="http://schemas.openxmlformats.org/officeDocument/2006/relationships" xmlns:p="http://schemas.openxmlformats.org/presentationml/2006/main">
+  <p:cSld>
+    <p:spTree>
+      <p:nvGrpSpPr>
+        <p:cNvPr id="1" name=""/>
+        <p:cNvGrpSpPr/>
+        <p:nvPr/>
+      </p:nvGrpSpPr>
+      <p:grpSpPr>
+        <a:xfrm>
+          <a:off x="0" y="0"/>
+          <a:ext cx="0" cy="0"/>
+          <a:chOff x="0" y="0"/>
+          <a:chExt cx="0" cy="0"/>
+        </a:xfrm>
+      </p:grpSpPr>
+      <p:sp>
+        <p:nvSpPr>
+          <p:cNvPr id="2" name="Slide Image Placeholder 1"/>
+          <p:cNvSpPr>
+            <a:spLocks noGrp="1" noRot="1" noChangeAspect="1"/>
+          </p:cNvSpPr>
+          <p:nvPr>
+            <p:ph type="sldImg"/>
+          </p:nvPr>
+        </p:nvSpPr>
+        <p:spPr/>
+      </p:sp>
+      <p:sp>
+        <p:nvSpPr>
+          <p:cNvPr id="3" name="Notes Placeholder 2"/>
+          <p:cNvSpPr>
+            <a:spLocks noGrp="1"/>
+          </p:cNvSpPr>
+          <p:nvPr>
+            <p:ph type="body" idx="1"/>
+          </p:nvPr>
+        </p:nvSpPr>
+        <p:spPr/>
+        <p:txBody>
+          <a:bodyPr/>
+          <a:lstStyle/>
+          <a:p>
+            <a:pPr marL="171450" indent="-171450">
+              <a:buFont typeface="Arial" panose="020B0604020202020204" pitchFamily="34" charset="0"/>
+              <a:buChar char="•"/>
+            </a:pPr>
+            <a:r>
+              <a:rPr lang="en-GB" dirty="0"/>
+              <a:t>This is the method from the 2013 DQN/Atari paper.</a:t>
+            </a:r>
+          </a:p>
+          <a:p>
+            <a:pPr marL="171450" indent="-171450">
+              <a:buFont typeface="Arial" panose="020B0604020202020204" pitchFamily="34" charset="0"/>
+              <a:buChar char="•"/>
+            </a:pPr>
+            <a:r>
+              <a:rPr lang="en-GB" dirty="0"/>
+              <a:t>Where </a:t>
+            </a:r>
+            <a:r>
+              <a:rPr lang="el-GR" b="1" dirty="0"/>
+              <a:t>ρ</a:t>
+            </a:r>
+            <a:r>
+              <a:rPr lang="en-GB" dirty="0"/>
+              <a:t> is the transition model.</a:t>
+            </a:r>
+          </a:p>
+          <a:p>
+            <a:pPr marL="171450" indent="-171450">
+              <a:buFont typeface="Arial" panose="020B0604020202020204" pitchFamily="34" charset="0"/>
+              <a:buChar char="•"/>
+            </a:pPr>
+            <a:r>
+              <a:rPr lang="en-GB" dirty="0"/>
+              <a:t>Note that the two functions are identical except the first Q, the future estimate.</a:t>
+            </a:r>
+          </a:p>
+          <a:p>
+            <a:pPr marL="171450" indent="-171450">
+              <a:buFont typeface="Arial" panose="020B0604020202020204" pitchFamily="34" charset="0"/>
+              <a:buChar char="•"/>
+            </a:pPr>
+            <a:r>
+              <a:rPr lang="en-GB" dirty="0"/>
+              <a:t>Optimise for a different loss function each step, as some of the terms in the function are dependent on theta.</a:t>
+            </a:r>
+          </a:p>
+          <a:p>
+            <a:pPr marL="171450" indent="-171450">
+              <a:buFont typeface="Arial" panose="020B0604020202020204" pitchFamily="34" charset="0"/>
+              <a:buChar char="•"/>
+            </a:pPr>
+            <a:r>
+              <a:rPr lang="en-GB" dirty="0"/>
+              <a:t>Explain experience replay.</a:t>
+            </a:r>
+          </a:p>
+          <a:p>
+            <a:pPr marL="628650" lvl="1" indent="-171450">
+              <a:buFont typeface="Arial" panose="020B0604020202020204" pitchFamily="34" charset="0"/>
+              <a:buChar char="•"/>
+            </a:pPr>
+            <a:r>
+              <a:rPr lang="en-GB" dirty="0"/>
+              <a:t>Transitions (</a:t>
+            </a:r>
+            <a:r>
+              <a:rPr lang="en-GB" dirty="0" err="1"/>
+              <a:t>s,a,r,s</a:t>
+            </a:r>
+            <a:r>
+              <a:rPr lang="en-GB" dirty="0"/>
+              <a:t>) from the environment are retained in memory.</a:t>
+            </a:r>
+          </a:p>
+          <a:p>
+            <a:pPr marL="628650" lvl="1" indent="-171450">
+              <a:buFont typeface="Arial" panose="020B0604020202020204" pitchFamily="34" charset="0"/>
+              <a:buChar char="•"/>
+            </a:pPr>
+            <a:r>
+              <a:rPr lang="en-GB" dirty="0"/>
+              <a:t>Replayed, trained on them.</a:t>
+            </a:r>
+          </a:p>
+          <a:p>
+            <a:pPr marL="628650" lvl="1" indent="-171450">
+              <a:buFont typeface="Arial" panose="020B0604020202020204" pitchFamily="34" charset="0"/>
+              <a:buChar char="•"/>
+            </a:pPr>
+            <a:r>
+              <a:rPr lang="en-GB" dirty="0"/>
+              <a:t>Cannot be applied to SARSA. The resulting algorithm would be off-policy and no longer considered SARSA. Tested it out, sort of works but performance is very unstable.</a:t>
+            </a:r>
+          </a:p>
+          <a:p>
+            <a:pPr marL="171450" lvl="0" indent="-171450">
+              <a:buFont typeface="Arial" panose="020B0604020202020204" pitchFamily="34" charset="0"/>
+              <a:buChar char="•"/>
+            </a:pPr>
+            <a:r>
+              <a:rPr lang="en-GB" dirty="0"/>
+              <a:t>Loss functions from: 2. (</a:t>
+            </a:r>
+            <a:r>
+              <a:rPr lang="en-GB" dirty="0" err="1"/>
+              <a:t>Mnih</a:t>
+            </a:r>
+            <a:r>
+              <a:rPr lang="en-GB" dirty="0"/>
+              <a:t> et al).</a:t>
+            </a:r>
+          </a:p>
+        </p:txBody>
+      </p:sp>
+      <p:sp>
+        <p:nvSpPr>
+          <p:cNvPr id="4" name="Slide Number Placeholder 3"/>
+          <p:cNvSpPr>
+            <a:spLocks noGrp="1"/>
+          </p:cNvSpPr>
+          <p:nvPr>
+            <p:ph type="sldNum" sz="quarter" idx="5"/>
+          </p:nvPr>
+        </p:nvSpPr>
+        <p:spPr/>
+        <p:txBody>
+          <a:bodyPr/>
+          <a:lstStyle/>
+          <a:p>
+            <a:fld id="{15B7FE7A-1421-4152-8A52-38E0EEEF9985}" type="slidenum">
+              <a:rPr lang="en-GB" smtClean="0"/>
+              <a:t>7</a:t>
+            </a:fld>
+            <a:endParaRPr lang="en-GB"/>
+          </a:p>
+        </p:txBody>
+      </p:sp>
+    </p:spTree>
+    <p:extLst>
+      <p:ext uri="{BB962C8B-B14F-4D97-AF65-F5344CB8AC3E}">
+        <p14:creationId xmlns:p14="http://schemas.microsoft.com/office/powerpoint/2010/main" val="1879517782"/>
       </p:ext>
     </p:extLst>
   </p:cSld>
@@ -1542,111 +1592,7 @@
             </a:pPr>
             <a:r>
               <a:rPr lang="en-GB" dirty="0"/>
-              <a:t>This is the method from the 2013 DQN/Atari paper.</a:t>
-            </a:r>
-          </a:p>
-          <a:p>
-            <a:pPr marL="171450" indent="-171450">
-              <a:buFont typeface="Arial" panose="020B0604020202020204" pitchFamily="34" charset="0"/>
-              <a:buChar char="•"/>
-            </a:pPr>
-            <a:r>
-              <a:rPr lang="en-GB" dirty="0"/>
-              <a:t>Where </a:t>
-            </a:r>
-            <a:r>
-              <a:rPr lang="el-GR" b="1" dirty="0"/>
-              <a:t>ρ</a:t>
-            </a:r>
-            <a:r>
-              <a:rPr lang="en-GB" dirty="0"/>
-              <a:t> is the transition model.</a:t>
-            </a:r>
-          </a:p>
-          <a:p>
-            <a:pPr marL="171450" indent="-171450">
-              <a:buFont typeface="Arial" panose="020B0604020202020204" pitchFamily="34" charset="0"/>
-              <a:buChar char="•"/>
-            </a:pPr>
-            <a:r>
-              <a:rPr lang="en-GB" dirty="0"/>
-              <a:t>Note that the two functions are identical except the first Q, the future estimate.</a:t>
-            </a:r>
-          </a:p>
-          <a:p>
-            <a:pPr marL="171450" indent="-171450">
-              <a:buFont typeface="Arial" panose="020B0604020202020204" pitchFamily="34" charset="0"/>
-              <a:buChar char="•"/>
-            </a:pPr>
-            <a:r>
-              <a:rPr lang="en-GB" dirty="0"/>
-              <a:t>Optimise for a different loss function each step, as some of the terms in the function are dependent on theta.</a:t>
-            </a:r>
-          </a:p>
-          <a:p>
-            <a:pPr marL="171450" indent="-171450">
-              <a:buFont typeface="Arial" panose="020B0604020202020204" pitchFamily="34" charset="0"/>
-              <a:buChar char="•"/>
-            </a:pPr>
-            <a:r>
-              <a:rPr lang="en-GB" dirty="0"/>
-              <a:t>Explain experience replay.</a:t>
-            </a:r>
-          </a:p>
-          <a:p>
-            <a:pPr marL="628650" lvl="1" indent="-171450">
-              <a:buFont typeface="Arial" panose="020B0604020202020204" pitchFamily="34" charset="0"/>
-              <a:buChar char="•"/>
-            </a:pPr>
-            <a:r>
-              <a:rPr lang="en-GB" dirty="0"/>
-              <a:t>Transitions (</a:t>
-            </a:r>
-            <a:r>
-              <a:rPr lang="en-GB" dirty="0" err="1"/>
-              <a:t>s,a,r,s</a:t>
-            </a:r>
-            <a:r>
-              <a:rPr lang="en-GB" dirty="0"/>
-              <a:t>) from the environment are retained in memory.</a:t>
-            </a:r>
-          </a:p>
-          <a:p>
-            <a:pPr marL="628650" lvl="1" indent="-171450">
-              <a:buFont typeface="Arial" panose="020B0604020202020204" pitchFamily="34" charset="0"/>
-              <a:buChar char="•"/>
-            </a:pPr>
-            <a:r>
-              <a:rPr lang="en-GB" dirty="0"/>
-              <a:t>Replayed, trained on them.</a:t>
-            </a:r>
-          </a:p>
-          <a:p>
-            <a:pPr marL="628650" lvl="1" indent="-171450">
-              <a:buFont typeface="Arial" panose="020B0604020202020204" pitchFamily="34" charset="0"/>
-              <a:buChar char="•"/>
-            </a:pPr>
-            <a:r>
-              <a:rPr lang="en-GB" dirty="0"/>
-              <a:t>Cannot be applied to SARSA. The resulting algorithm would be off-policy and no longer considered SARSA. Tested it out, sort of works but performance is very unstable.</a:t>
-            </a:r>
-          </a:p>
-          <a:p>
-            <a:pPr marL="171450" lvl="0" indent="-171450">
-              <a:buFont typeface="Arial" panose="020B0604020202020204" pitchFamily="34" charset="0"/>
-              <a:buChar char="•"/>
-            </a:pPr>
-            <a:r>
-              <a:rPr lang="en-GB" dirty="0"/>
-              <a:t>Loss functions from: 2. (</a:t>
-            </a:r>
-            <a:r>
-              <a:rPr lang="en-GB" dirty="0" err="1"/>
-              <a:t>Mnih</a:t>
-            </a:r>
-            <a:r>
-              <a:rPr lang="en-GB" dirty="0"/>
-              <a:t> et al).</a:t>
+              <a:t>There are some other variants of this algorithm I’d like to cover (A3/3C) that add optimisations, but I haven’t really got around to covering them yet.</a:t>
             </a:r>
           </a:p>
         </p:txBody>
@@ -1677,7 +1623,7 @@
     </p:spTree>
     <p:extLst>
       <p:ext uri="{BB962C8B-B14F-4D97-AF65-F5344CB8AC3E}">
-        <p14:creationId xmlns:p14="http://schemas.microsoft.com/office/powerpoint/2010/main" val="1879517782"/>
+        <p14:creationId xmlns:p14="http://schemas.microsoft.com/office/powerpoint/2010/main" val="630300523"/>
       </p:ext>
     </p:extLst>
   </p:cSld>
@@ -1737,7 +1683,42 @@
             </a:pPr>
             <a:r>
               <a:rPr lang="en-GB" dirty="0"/>
-              <a:t>There are some other variants of this algorithm I’d like to cover (A3/3C) that add optimisations, but I haven’t really got around to covering them yet.</a:t>
+              <a:t>Prototyping, ran out of slides for this.</a:t>
+            </a:r>
+          </a:p>
+          <a:p>
+            <a:pPr marL="171450" indent="-171450">
+              <a:buFont typeface="Arial" panose="020B0604020202020204" pitchFamily="34" charset="0"/>
+              <a:buChar char="•"/>
+            </a:pPr>
+            <a:r>
+              <a:rPr lang="en-GB" dirty="0"/>
+              <a:t>Related work is still incomplete but coming </a:t>
+            </a:r>
+            <a:r>
+              <a:rPr lang="en-GB"/>
+              <a:t>along nicely.</a:t>
+            </a:r>
+            <a:endParaRPr lang="en-GB" dirty="0"/>
+          </a:p>
+          <a:p>
+            <a:pPr marL="171450" indent="-171450">
+              <a:buFont typeface="Arial" panose="020B0604020202020204" pitchFamily="34" charset="0"/>
+              <a:buChar char="•"/>
+            </a:pPr>
+            <a:r>
+              <a:rPr lang="en-GB" dirty="0"/>
+              <a:t>I’ve got working implementations for DQN, SARSA, REINFORCE, a basic Actor-Critic implementation.</a:t>
+            </a:r>
+          </a:p>
+          <a:p>
+            <a:pPr marL="171450" indent="-171450">
+              <a:buFont typeface="Arial" panose="020B0604020202020204" pitchFamily="34" charset="0"/>
+              <a:buChar char="•"/>
+            </a:pPr>
+            <a:r>
+              <a:rPr lang="en-GB" dirty="0"/>
+              <a:t>They work well on cartpole and the two test environments I’ve made (grid world &amp; tic-tac-toe).</a:t>
             </a:r>
           </a:p>
         </p:txBody>
@@ -1760,132 +1741,6 @@
             <a:fld id="{15B7FE7A-1421-4152-8A52-38E0EEEF9985}" type="slidenum">
               <a:rPr lang="en-GB" smtClean="0"/>
               <a:t>9</a:t>
-            </a:fld>
-            <a:endParaRPr lang="en-GB"/>
-          </a:p>
-        </p:txBody>
-      </p:sp>
-    </p:spTree>
-    <p:extLst>
-      <p:ext uri="{BB962C8B-B14F-4D97-AF65-F5344CB8AC3E}">
-        <p14:creationId xmlns:p14="http://schemas.microsoft.com/office/powerpoint/2010/main" val="630300523"/>
-      </p:ext>
-    </p:extLst>
-  </p:cSld>
-  <p:clrMapOvr>
-    <a:masterClrMapping/>
-  </p:clrMapOvr>
-</p:notes>
-</file>
-
-<file path=ppt/notesSlides/notesSlide9.xml><?xml version="1.0" encoding="utf-8"?>
-<p:notes xmlns:a="http://schemas.openxmlformats.org/drawingml/2006/main" xmlns:r="http://schemas.openxmlformats.org/officeDocument/2006/relationships" xmlns:p="http://schemas.openxmlformats.org/presentationml/2006/main">
-  <p:cSld>
-    <p:spTree>
-      <p:nvGrpSpPr>
-        <p:cNvPr id="1" name=""/>
-        <p:cNvGrpSpPr/>
-        <p:nvPr/>
-      </p:nvGrpSpPr>
-      <p:grpSpPr>
-        <a:xfrm>
-          <a:off x="0" y="0"/>
-          <a:ext cx="0" cy="0"/>
-          <a:chOff x="0" y="0"/>
-          <a:chExt cx="0" cy="0"/>
-        </a:xfrm>
-      </p:grpSpPr>
-      <p:sp>
-        <p:nvSpPr>
-          <p:cNvPr id="2" name="Slide Image Placeholder 1"/>
-          <p:cNvSpPr>
-            <a:spLocks noGrp="1" noRot="1" noChangeAspect="1"/>
-          </p:cNvSpPr>
-          <p:nvPr>
-            <p:ph type="sldImg"/>
-          </p:nvPr>
-        </p:nvSpPr>
-        <p:spPr/>
-      </p:sp>
-      <p:sp>
-        <p:nvSpPr>
-          <p:cNvPr id="3" name="Notes Placeholder 2"/>
-          <p:cNvSpPr>
-            <a:spLocks noGrp="1"/>
-          </p:cNvSpPr>
-          <p:nvPr>
-            <p:ph type="body" idx="1"/>
-          </p:nvPr>
-        </p:nvSpPr>
-        <p:spPr/>
-        <p:txBody>
-          <a:bodyPr/>
-          <a:lstStyle/>
-          <a:p>
-            <a:pPr marL="171450" indent="-171450">
-              <a:buFont typeface="Arial" panose="020B0604020202020204" pitchFamily="34" charset="0"/>
-              <a:buChar char="•"/>
-            </a:pPr>
-            <a:r>
-              <a:rPr lang="en-GB" dirty="0"/>
-              <a:t>Prototyping, ran out of slides for this.</a:t>
-            </a:r>
-          </a:p>
-          <a:p>
-            <a:pPr marL="171450" indent="-171450">
-              <a:buFont typeface="Arial" panose="020B0604020202020204" pitchFamily="34" charset="0"/>
-              <a:buChar char="•"/>
-            </a:pPr>
-            <a:r>
-              <a:rPr lang="en-GB" dirty="0"/>
-              <a:t>Related work is still incomplete but coming </a:t>
-            </a:r>
-            <a:r>
-              <a:rPr lang="en-GB"/>
-              <a:t>along nicely.</a:t>
-            </a:r>
-            <a:endParaRPr lang="en-GB" dirty="0"/>
-          </a:p>
-          <a:p>
-            <a:pPr marL="171450" indent="-171450">
-              <a:buFont typeface="Arial" panose="020B0604020202020204" pitchFamily="34" charset="0"/>
-              <a:buChar char="•"/>
-            </a:pPr>
-            <a:r>
-              <a:rPr lang="en-GB" dirty="0"/>
-              <a:t>I’ve got working implementations for DQN, SARSA, REINFORCE, a basic Actor-Critic implementation.</a:t>
-            </a:r>
-          </a:p>
-          <a:p>
-            <a:pPr marL="171450" indent="-171450">
-              <a:buFont typeface="Arial" panose="020B0604020202020204" pitchFamily="34" charset="0"/>
-              <a:buChar char="•"/>
-            </a:pPr>
-            <a:r>
-              <a:rPr lang="en-GB" dirty="0"/>
-              <a:t>They work well on cartpole and the two test environments I’ve made (grid world &amp; tic-tac-toe).</a:t>
-            </a:r>
-          </a:p>
-        </p:txBody>
-      </p:sp>
-      <p:sp>
-        <p:nvSpPr>
-          <p:cNvPr id="4" name="Slide Number Placeholder 3"/>
-          <p:cNvSpPr>
-            <a:spLocks noGrp="1"/>
-          </p:cNvSpPr>
-          <p:nvPr>
-            <p:ph type="sldNum" sz="quarter" idx="5"/>
-          </p:nvPr>
-        </p:nvSpPr>
-        <p:spPr/>
-        <p:txBody>
-          <a:bodyPr/>
-          <a:lstStyle/>
-          <a:p>
-            <a:fld id="{15B7FE7A-1421-4152-8A52-38E0EEEF9985}" type="slidenum">
-              <a:rPr lang="en-GB" smtClean="0"/>
-              <a:t>10</a:t>
             </a:fld>
             <a:endParaRPr lang="en-GB"/>
           </a:p>
@@ -2053,7 +1908,7 @@
           <a:p>
             <a:fld id="{CD076A94-12FF-4EB1-A7E4-43AD58E509D2}" type="datetimeFigureOut">
               <a:rPr lang="en-GB" smtClean="0"/>
-              <a:t>11/01/2024</a:t>
+              <a:t>19/02/2024</a:t>
             </a:fld>
             <a:endParaRPr lang="en-GB"/>
           </a:p>
@@ -2253,7 +2108,7 @@
           <a:p>
             <a:fld id="{CD076A94-12FF-4EB1-A7E4-43AD58E509D2}" type="datetimeFigureOut">
               <a:rPr lang="en-GB" smtClean="0"/>
-              <a:t>11/01/2024</a:t>
+              <a:t>19/02/2024</a:t>
             </a:fld>
             <a:endParaRPr lang="en-GB"/>
           </a:p>
@@ -2463,7 +2318,7 @@
           <a:p>
             <a:fld id="{CD076A94-12FF-4EB1-A7E4-43AD58E509D2}" type="datetimeFigureOut">
               <a:rPr lang="en-GB" smtClean="0"/>
-              <a:t>11/01/2024</a:t>
+              <a:t>19/02/2024</a:t>
             </a:fld>
             <a:endParaRPr lang="en-GB"/>
           </a:p>
@@ -2663,7 +2518,7 @@
           <a:p>
             <a:fld id="{CD076A94-12FF-4EB1-A7E4-43AD58E509D2}" type="datetimeFigureOut">
               <a:rPr lang="en-GB" smtClean="0"/>
-              <a:t>11/01/2024</a:t>
+              <a:t>19/02/2024</a:t>
             </a:fld>
             <a:endParaRPr lang="en-GB"/>
           </a:p>
@@ -2939,7 +2794,7 @@
           <a:p>
             <a:fld id="{CD076A94-12FF-4EB1-A7E4-43AD58E509D2}" type="datetimeFigureOut">
               <a:rPr lang="en-GB" smtClean="0"/>
-              <a:t>11/01/2024</a:t>
+              <a:t>19/02/2024</a:t>
             </a:fld>
             <a:endParaRPr lang="en-GB"/>
           </a:p>
@@ -3207,7 +3062,7 @@
           <a:p>
             <a:fld id="{CD076A94-12FF-4EB1-A7E4-43AD58E509D2}" type="datetimeFigureOut">
               <a:rPr lang="en-GB" smtClean="0"/>
-              <a:t>11/01/2024</a:t>
+              <a:t>19/02/2024</a:t>
             </a:fld>
             <a:endParaRPr lang="en-GB"/>
           </a:p>
@@ -3622,7 +3477,7 @@
           <a:p>
             <a:fld id="{CD076A94-12FF-4EB1-A7E4-43AD58E509D2}" type="datetimeFigureOut">
               <a:rPr lang="en-GB" smtClean="0"/>
-              <a:t>11/01/2024</a:t>
+              <a:t>19/02/2024</a:t>
             </a:fld>
             <a:endParaRPr lang="en-GB"/>
           </a:p>
@@ -3764,7 +3619,7 @@
           <a:p>
             <a:fld id="{CD076A94-12FF-4EB1-A7E4-43AD58E509D2}" type="datetimeFigureOut">
               <a:rPr lang="en-GB" smtClean="0"/>
-              <a:t>11/01/2024</a:t>
+              <a:t>19/02/2024</a:t>
             </a:fld>
             <a:endParaRPr lang="en-GB"/>
           </a:p>
@@ -3877,7 +3732,7 @@
           <a:p>
             <a:fld id="{CD076A94-12FF-4EB1-A7E4-43AD58E509D2}" type="datetimeFigureOut">
               <a:rPr lang="en-GB" smtClean="0"/>
-              <a:t>11/01/2024</a:t>
+              <a:t>19/02/2024</a:t>
             </a:fld>
             <a:endParaRPr lang="en-GB"/>
           </a:p>
@@ -4190,7 +4045,7 @@
           <a:p>
             <a:fld id="{CD076A94-12FF-4EB1-A7E4-43AD58E509D2}" type="datetimeFigureOut">
               <a:rPr lang="en-GB" smtClean="0"/>
-              <a:t>11/01/2024</a:t>
+              <a:t>19/02/2024</a:t>
             </a:fld>
             <a:endParaRPr lang="en-GB"/>
           </a:p>
@@ -4479,7 +4334,7 @@
           <a:p>
             <a:fld id="{CD076A94-12FF-4EB1-A7E4-43AD58E509D2}" type="datetimeFigureOut">
               <a:rPr lang="en-GB" smtClean="0"/>
-              <a:t>11/01/2024</a:t>
+              <a:t>19/02/2024</a:t>
             </a:fld>
             <a:endParaRPr lang="en-GB"/>
           </a:p>
@@ -4722,7 +4577,7 @@
           <a:p>
             <a:fld id="{CD076A94-12FF-4EB1-A7E4-43AD58E509D2}" type="datetimeFigureOut">
               <a:rPr lang="en-GB" smtClean="0"/>
-              <a:t>11/01/2024</a:t>
+              <a:t>19/02/2024</a:t>
             </a:fld>
             <a:endParaRPr lang="en-GB"/>
           </a:p>
@@ -5256,145 +5111,6 @@
           <p:cNvPr id="2" name="Title 1">
             <a:extLst>
               <a:ext uri="{FF2B5EF4-FFF2-40B4-BE49-F238E27FC236}">
-                <a16:creationId xmlns:a16="http://schemas.microsoft.com/office/drawing/2014/main" id="{54725FE1-D394-256E-C164-8155A1FB05B6}"/>
-              </a:ext>
-            </a:extLst>
-          </p:cNvPr>
-          <p:cNvSpPr>
-            <a:spLocks noGrp="1"/>
-          </p:cNvSpPr>
-          <p:nvPr>
-            <p:ph type="title"/>
-          </p:nvPr>
-        </p:nvSpPr>
-        <p:spPr/>
-        <p:txBody>
-          <a:bodyPr/>
-          <a:lstStyle/>
-          <a:p>
-            <a:pPr algn="ctr"/>
-            <a:r>
-              <a:rPr lang="en-GB" dirty="0"/>
-              <a:t>Methodology</a:t>
-            </a:r>
-          </a:p>
-        </p:txBody>
-      </p:sp>
-      <p:pic>
-        <p:nvPicPr>
-          <p:cNvPr id="7" name="Picture 6">
-            <a:extLst>
-              <a:ext uri="{FF2B5EF4-FFF2-40B4-BE49-F238E27FC236}">
-                <a16:creationId xmlns:a16="http://schemas.microsoft.com/office/drawing/2014/main" id="{2B8CBE6A-9F97-D226-FC83-E38E112ED0EB}"/>
-              </a:ext>
-            </a:extLst>
-          </p:cNvPr>
-          <p:cNvPicPr>
-            <a:picLocks noChangeAspect="1"/>
-          </p:cNvPicPr>
-          <p:nvPr/>
-        </p:nvPicPr>
-        <p:blipFill>
-          <a:blip r:embed="rId3"/>
-          <a:stretch>
-            <a:fillRect/>
-          </a:stretch>
-        </p:blipFill>
-        <p:spPr>
-          <a:xfrm>
-            <a:off x="7125772" y="1781170"/>
-            <a:ext cx="3951512" cy="3295660"/>
-          </a:xfrm>
-          <a:prstGeom prst="rect">
-            <a:avLst/>
-          </a:prstGeom>
-        </p:spPr>
-      </p:pic>
-      <p:sp>
-        <p:nvSpPr>
-          <p:cNvPr id="8" name="TextBox 7">
-            <a:extLst>
-              <a:ext uri="{FF2B5EF4-FFF2-40B4-BE49-F238E27FC236}">
-                <a16:creationId xmlns:a16="http://schemas.microsoft.com/office/drawing/2014/main" id="{B94D05EB-7614-8ED8-E97E-67742F151865}"/>
-              </a:ext>
-            </a:extLst>
-          </p:cNvPr>
-          <p:cNvSpPr txBox="1"/>
-          <p:nvPr/>
-        </p:nvSpPr>
-        <p:spPr>
-          <a:xfrm>
-            <a:off x="659567" y="2068758"/>
-            <a:ext cx="5096656" cy="707886"/>
-          </a:xfrm>
-          <a:prstGeom prst="rect">
-            <a:avLst/>
-          </a:prstGeom>
-          <a:noFill/>
-        </p:spPr>
-        <p:txBody>
-          <a:bodyPr wrap="square">
-            <a:spAutoFit/>
-          </a:bodyPr>
-          <a:lstStyle/>
-          <a:p>
-            <a:pPr marL="285750" indent="-285750">
-              <a:buFont typeface="Arial" panose="020B0604020202020204" pitchFamily="34" charset="0"/>
-              <a:buChar char="•"/>
-            </a:pPr>
-            <a:r>
-              <a:rPr lang="en-GB" sz="2000" dirty="0"/>
-              <a:t>Following AGILE principles.</a:t>
-            </a:r>
-          </a:p>
-          <a:p>
-            <a:pPr marL="285750" indent="-285750">
-              <a:buFont typeface="Arial" panose="020B0604020202020204" pitchFamily="34" charset="0"/>
-              <a:buChar char="•"/>
-            </a:pPr>
-            <a:r>
-              <a:rPr lang="en-GB" sz="2000" dirty="0"/>
-              <a:t>Sprints for research, writing, prototyping.</a:t>
-            </a:r>
-            <a:endParaRPr lang="en-GB" sz="2800" dirty="0"/>
-          </a:p>
-        </p:txBody>
-      </p:sp>
-    </p:spTree>
-    <p:extLst>
-      <p:ext uri="{BB962C8B-B14F-4D97-AF65-F5344CB8AC3E}">
-        <p14:creationId xmlns:p14="http://schemas.microsoft.com/office/powerpoint/2010/main" val="3566389663"/>
-      </p:ext>
-    </p:extLst>
-  </p:cSld>
-  <p:clrMapOvr>
-    <a:masterClrMapping/>
-  </p:clrMapOvr>
-</p:sld>
-</file>
-
-<file path=ppt/slides/slide11.xml><?xml version="1.0" encoding="utf-8"?>
-<p:sld xmlns:a="http://schemas.openxmlformats.org/drawingml/2006/main" xmlns:r="http://schemas.openxmlformats.org/officeDocument/2006/relationships" xmlns:p="http://schemas.openxmlformats.org/presentationml/2006/main">
-  <p:cSld>
-    <p:spTree>
-      <p:nvGrpSpPr>
-        <p:cNvPr id="1" name=""/>
-        <p:cNvGrpSpPr/>
-        <p:nvPr/>
-      </p:nvGrpSpPr>
-      <p:grpSpPr>
-        <a:xfrm>
-          <a:off x="0" y="0"/>
-          <a:ext cx="0" cy="0"/>
-          <a:chOff x="0" y="0"/>
-          <a:chExt cx="0" cy="0"/>
-        </a:xfrm>
-      </p:grpSpPr>
-      <p:sp>
-        <p:nvSpPr>
-          <p:cNvPr id="2" name="Title 1">
-            <a:extLst>
-              <a:ext uri="{FF2B5EF4-FFF2-40B4-BE49-F238E27FC236}">
                 <a16:creationId xmlns:a16="http://schemas.microsoft.com/office/drawing/2014/main" id="{466D1849-8147-BD59-0323-0BE748C0E55A}"/>
               </a:ext>
             </a:extLst>
@@ -6339,90 +6055,6 @@
           <p:cNvPr id="2" name="Title 1">
             <a:extLst>
               <a:ext uri="{FF2B5EF4-FFF2-40B4-BE49-F238E27FC236}">
-                <a16:creationId xmlns:a16="http://schemas.microsoft.com/office/drawing/2014/main" id="{D0772827-B3E0-0AB2-D75A-2AF742356B41}"/>
-              </a:ext>
-            </a:extLst>
-          </p:cNvPr>
-          <p:cNvSpPr>
-            <a:spLocks noGrp="1"/>
-          </p:cNvSpPr>
-          <p:nvPr>
-            <p:ph type="title"/>
-          </p:nvPr>
-        </p:nvSpPr>
-        <p:spPr/>
-        <p:txBody>
-          <a:bodyPr/>
-          <a:lstStyle/>
-          <a:p>
-            <a:pPr algn="ctr"/>
-            <a:r>
-              <a:rPr lang="en-GB" dirty="0"/>
-              <a:t>Agents &amp; Environments</a:t>
-            </a:r>
-          </a:p>
-        </p:txBody>
-      </p:sp>
-      <p:sp>
-        <p:nvSpPr>
-          <p:cNvPr id="3" name="Content Placeholder 2">
-            <a:extLst>
-              <a:ext uri="{FF2B5EF4-FFF2-40B4-BE49-F238E27FC236}">
-                <a16:creationId xmlns:a16="http://schemas.microsoft.com/office/drawing/2014/main" id="{D3A2F947-BF16-BF1B-07A7-39547FDE4E73}"/>
-              </a:ext>
-            </a:extLst>
-          </p:cNvPr>
-          <p:cNvSpPr>
-            <a:spLocks noGrp="1"/>
-          </p:cNvSpPr>
-          <p:nvPr>
-            <p:ph idx="1"/>
-          </p:nvPr>
-        </p:nvSpPr>
-        <p:spPr/>
-        <p:txBody>
-          <a:bodyPr/>
-          <a:lstStyle/>
-          <a:p>
-            <a:endParaRPr lang="en-GB" dirty="0"/>
-          </a:p>
-        </p:txBody>
-      </p:sp>
-    </p:spTree>
-    <p:extLst>
-      <p:ext uri="{BB962C8B-B14F-4D97-AF65-F5344CB8AC3E}">
-        <p14:creationId xmlns:p14="http://schemas.microsoft.com/office/powerpoint/2010/main" val="2442741211"/>
-      </p:ext>
-    </p:extLst>
-  </p:cSld>
-  <p:clrMapOvr>
-    <a:masterClrMapping/>
-  </p:clrMapOvr>
-</p:sld>
-</file>
-
-<file path=ppt/slides/slide5.xml><?xml version="1.0" encoding="utf-8"?>
-<p:sld xmlns:a="http://schemas.openxmlformats.org/drawingml/2006/main" xmlns:r="http://schemas.openxmlformats.org/officeDocument/2006/relationships" xmlns:p="http://schemas.openxmlformats.org/presentationml/2006/main">
-  <p:cSld>
-    <p:spTree>
-      <p:nvGrpSpPr>
-        <p:cNvPr id="1" name=""/>
-        <p:cNvGrpSpPr/>
-        <p:nvPr/>
-      </p:nvGrpSpPr>
-      <p:grpSpPr>
-        <a:xfrm>
-          <a:off x="0" y="0"/>
-          <a:ext cx="0" cy="0"/>
-          <a:chOff x="0" y="0"/>
-          <a:chExt cx="0" cy="0"/>
-        </a:xfrm>
-      </p:grpSpPr>
-      <p:sp>
-        <p:nvSpPr>
-          <p:cNvPr id="2" name="Title 1">
-            <a:extLst>
-              <a:ext uri="{FF2B5EF4-FFF2-40B4-BE49-F238E27FC236}">
                 <a16:creationId xmlns:a16="http://schemas.microsoft.com/office/drawing/2014/main" id="{A91AAA33-6027-C3D2-BC11-B9A27C52D066}"/>
               </a:ext>
             </a:extLst>
@@ -6816,7 +6448,7 @@
 </p:sld>
 </file>
 
-<file path=ppt/slides/slide6.xml><?xml version="1.0" encoding="utf-8"?>
+<file path=ppt/slides/slide5.xml><?xml version="1.0" encoding="utf-8"?>
 <p:sld xmlns:a="http://schemas.openxmlformats.org/drawingml/2006/main" xmlns:r="http://schemas.openxmlformats.org/officeDocument/2006/relationships" xmlns:p="http://schemas.openxmlformats.org/presentationml/2006/main">
   <p:cSld>
     <p:spTree>
@@ -7079,7 +6711,7 @@
 </p:sld>
 </file>
 
-<file path=ppt/slides/slide7.xml><?xml version="1.0" encoding="utf-8"?>
+<file path=ppt/slides/slide6.xml><?xml version="1.0" encoding="utf-8"?>
 <p:sld xmlns:a="http://schemas.openxmlformats.org/drawingml/2006/main" xmlns:r="http://schemas.openxmlformats.org/officeDocument/2006/relationships" xmlns:p="http://schemas.openxmlformats.org/presentationml/2006/main">
   <p:cSld>
     <p:spTree>
@@ -8049,7 +7681,7 @@
 </p:sld>
 </file>
 
-<file path=ppt/slides/slide8.xml><?xml version="1.0" encoding="utf-8"?>
+<file path=ppt/slides/slide7.xml><?xml version="1.0" encoding="utf-8"?>
 <p:sld xmlns:a="http://schemas.openxmlformats.org/drawingml/2006/main" xmlns:r="http://schemas.openxmlformats.org/officeDocument/2006/relationships" xmlns:p="http://schemas.openxmlformats.org/presentationml/2006/main">
   <p:cSld>
     <p:spTree>
@@ -9785,7 +9417,7 @@
 </p:sld>
 </file>
 
-<file path=ppt/slides/slide9.xml><?xml version="1.0" encoding="utf-8"?>
+<file path=ppt/slides/slide8.xml><?xml version="1.0" encoding="utf-8"?>
 <p:sld xmlns:a="http://schemas.openxmlformats.org/drawingml/2006/main" xmlns:r="http://schemas.openxmlformats.org/officeDocument/2006/relationships" xmlns:p="http://schemas.openxmlformats.org/presentationml/2006/main">
   <p:cSld>
     <p:spTree>
@@ -10498,6 +10130,145 @@
 </p:sld>
 </file>
 
+<file path=ppt/slides/slide9.xml><?xml version="1.0" encoding="utf-8"?>
+<p:sld xmlns:a="http://schemas.openxmlformats.org/drawingml/2006/main" xmlns:r="http://schemas.openxmlformats.org/officeDocument/2006/relationships" xmlns:p="http://schemas.openxmlformats.org/presentationml/2006/main">
+  <p:cSld>
+    <p:spTree>
+      <p:nvGrpSpPr>
+        <p:cNvPr id="1" name=""/>
+        <p:cNvGrpSpPr/>
+        <p:nvPr/>
+      </p:nvGrpSpPr>
+      <p:grpSpPr>
+        <a:xfrm>
+          <a:off x="0" y="0"/>
+          <a:ext cx="0" cy="0"/>
+          <a:chOff x="0" y="0"/>
+          <a:chExt cx="0" cy="0"/>
+        </a:xfrm>
+      </p:grpSpPr>
+      <p:sp>
+        <p:nvSpPr>
+          <p:cNvPr id="2" name="Title 1">
+            <a:extLst>
+              <a:ext uri="{FF2B5EF4-FFF2-40B4-BE49-F238E27FC236}">
+                <a16:creationId xmlns:a16="http://schemas.microsoft.com/office/drawing/2014/main" id="{54725FE1-D394-256E-C164-8155A1FB05B6}"/>
+              </a:ext>
+            </a:extLst>
+          </p:cNvPr>
+          <p:cNvSpPr>
+            <a:spLocks noGrp="1"/>
+          </p:cNvSpPr>
+          <p:nvPr>
+            <p:ph type="title"/>
+          </p:nvPr>
+        </p:nvSpPr>
+        <p:spPr/>
+        <p:txBody>
+          <a:bodyPr/>
+          <a:lstStyle/>
+          <a:p>
+            <a:pPr algn="ctr"/>
+            <a:r>
+              <a:rPr lang="en-GB" dirty="0"/>
+              <a:t>Methodology</a:t>
+            </a:r>
+          </a:p>
+        </p:txBody>
+      </p:sp>
+      <p:pic>
+        <p:nvPicPr>
+          <p:cNvPr id="7" name="Picture 6">
+            <a:extLst>
+              <a:ext uri="{FF2B5EF4-FFF2-40B4-BE49-F238E27FC236}">
+                <a16:creationId xmlns:a16="http://schemas.microsoft.com/office/drawing/2014/main" id="{2B8CBE6A-9F97-D226-FC83-E38E112ED0EB}"/>
+              </a:ext>
+            </a:extLst>
+          </p:cNvPr>
+          <p:cNvPicPr>
+            <a:picLocks noChangeAspect="1"/>
+          </p:cNvPicPr>
+          <p:nvPr/>
+        </p:nvPicPr>
+        <p:blipFill>
+          <a:blip r:embed="rId3"/>
+          <a:stretch>
+            <a:fillRect/>
+          </a:stretch>
+        </p:blipFill>
+        <p:spPr>
+          <a:xfrm>
+            <a:off x="7125772" y="1781170"/>
+            <a:ext cx="3951512" cy="3295660"/>
+          </a:xfrm>
+          <a:prstGeom prst="rect">
+            <a:avLst/>
+          </a:prstGeom>
+        </p:spPr>
+      </p:pic>
+      <p:sp>
+        <p:nvSpPr>
+          <p:cNvPr id="8" name="TextBox 7">
+            <a:extLst>
+              <a:ext uri="{FF2B5EF4-FFF2-40B4-BE49-F238E27FC236}">
+                <a16:creationId xmlns:a16="http://schemas.microsoft.com/office/drawing/2014/main" id="{B94D05EB-7614-8ED8-E97E-67742F151865}"/>
+              </a:ext>
+            </a:extLst>
+          </p:cNvPr>
+          <p:cNvSpPr txBox="1"/>
+          <p:nvPr/>
+        </p:nvSpPr>
+        <p:spPr>
+          <a:xfrm>
+            <a:off x="659567" y="2068758"/>
+            <a:ext cx="5096656" cy="707886"/>
+          </a:xfrm>
+          <a:prstGeom prst="rect">
+            <a:avLst/>
+          </a:prstGeom>
+          <a:noFill/>
+        </p:spPr>
+        <p:txBody>
+          <a:bodyPr wrap="square">
+            <a:spAutoFit/>
+          </a:bodyPr>
+          <a:lstStyle/>
+          <a:p>
+            <a:pPr marL="285750" indent="-285750">
+              <a:buFont typeface="Arial" panose="020B0604020202020204" pitchFamily="34" charset="0"/>
+              <a:buChar char="•"/>
+            </a:pPr>
+            <a:r>
+              <a:rPr lang="en-GB" sz="2000" dirty="0"/>
+              <a:t>Following AGILE principles.</a:t>
+            </a:r>
+          </a:p>
+          <a:p>
+            <a:pPr marL="285750" indent="-285750">
+              <a:buFont typeface="Arial" panose="020B0604020202020204" pitchFamily="34" charset="0"/>
+              <a:buChar char="•"/>
+            </a:pPr>
+            <a:r>
+              <a:rPr lang="en-GB" sz="2000" dirty="0"/>
+              <a:t>Sprints for research, writing, prototyping.</a:t>
+            </a:r>
+            <a:endParaRPr lang="en-GB" sz="2800" dirty="0"/>
+          </a:p>
+        </p:txBody>
+      </p:sp>
+    </p:spTree>
+    <p:extLst>
+      <p:ext uri="{BB962C8B-B14F-4D97-AF65-F5344CB8AC3E}">
+        <p14:creationId xmlns:p14="http://schemas.microsoft.com/office/powerpoint/2010/main" val="3566389663"/>
+      </p:ext>
+    </p:extLst>
+  </p:cSld>
+  <p:clrMapOvr>
+    <a:masterClrMapping/>
+  </p:clrMapOvr>
+</p:sld>
+</file>
+
 <file path=ppt/theme/theme1.xml><?xml version="1.0" encoding="utf-8"?>
 <a:theme xmlns:a="http://schemas.openxmlformats.org/drawingml/2006/main" name="Office Theme">
   <a:themeElements>
